--- a/Presentations/NEWS_ON_DEMAND_PROMO.pptx
+++ b/Presentations/NEWS_ON_DEMAND_PROMO.pptx
@@ -198,7 +198,7 @@
           <a:p>
             <a:fld id="{9E72D83F-A12C-456C-BC94-2D98FDAB4F02}" type="datetimeFigureOut">
               <a:rPr lang="en-IN" smtClean="0"/>
-              <a:t>Fri : 11-11-2016</a:t>
+              <a:t>Sat : 12-11-2016</a:t>
             </a:fld>
             <a:endParaRPr lang="en-IN"/>
           </a:p>
@@ -1112,7 +1112,7 @@
           <a:p>
             <a:fld id="{3FB103DD-58BB-453F-BF10-4FF3CC359F28}" type="datetimeFigureOut">
               <a:rPr lang="en-IN" smtClean="0"/>
-              <a:t>Fri : 11-11-2016</a:t>
+              <a:t>Sat : 12-11-2016</a:t>
             </a:fld>
             <a:endParaRPr lang="en-IN"/>
           </a:p>
@@ -1277,7 +1277,7 @@
           <a:p>
             <a:fld id="{3FB103DD-58BB-453F-BF10-4FF3CC359F28}" type="datetimeFigureOut">
               <a:rPr lang="en-IN" smtClean="0"/>
-              <a:t>Fri : 11-11-2016</a:t>
+              <a:t>Sat : 12-11-2016</a:t>
             </a:fld>
             <a:endParaRPr lang="en-IN"/>
           </a:p>
@@ -1452,7 +1452,7 @@
           <a:p>
             <a:fld id="{3FB103DD-58BB-453F-BF10-4FF3CC359F28}" type="datetimeFigureOut">
               <a:rPr lang="en-IN" smtClean="0"/>
-              <a:t>Fri : 11-11-2016</a:t>
+              <a:t>Sat : 12-11-2016</a:t>
             </a:fld>
             <a:endParaRPr lang="en-IN"/>
           </a:p>
@@ -1617,7 +1617,7 @@
           <a:p>
             <a:fld id="{3FB103DD-58BB-453F-BF10-4FF3CC359F28}" type="datetimeFigureOut">
               <a:rPr lang="en-IN" smtClean="0"/>
-              <a:t>Fri : 11-11-2016</a:t>
+              <a:t>Sat : 12-11-2016</a:t>
             </a:fld>
             <a:endParaRPr lang="en-IN"/>
           </a:p>
@@ -2170,7 +2170,7 @@
           <a:p>
             <a:fld id="{3FB103DD-58BB-453F-BF10-4FF3CC359F28}" type="datetimeFigureOut">
               <a:rPr lang="en-IN" smtClean="0"/>
-              <a:t>Fri : 11-11-2016</a:t>
+              <a:t>Sat : 12-11-2016</a:t>
             </a:fld>
             <a:endParaRPr lang="en-IN"/>
           </a:p>
@@ -2430,7 +2430,7 @@
           <a:p>
             <a:fld id="{3FB103DD-58BB-453F-BF10-4FF3CC359F28}" type="datetimeFigureOut">
               <a:rPr lang="en-IN" smtClean="0"/>
-              <a:t>Fri : 11-11-2016</a:t>
+              <a:t>Sat : 12-11-2016</a:t>
             </a:fld>
             <a:endParaRPr lang="en-IN"/>
           </a:p>
@@ -2918,7 +2918,7 @@
           <a:p>
             <a:fld id="{3FB103DD-58BB-453F-BF10-4FF3CC359F28}" type="datetimeFigureOut">
               <a:rPr lang="en-IN" smtClean="0"/>
-              <a:t>Fri : 11-11-2016</a:t>
+              <a:t>Sat : 12-11-2016</a:t>
             </a:fld>
             <a:endParaRPr lang="en-IN"/>
           </a:p>
@@ -3031,7 +3031,7 @@
           <a:p>
             <a:fld id="{3FB103DD-58BB-453F-BF10-4FF3CC359F28}" type="datetimeFigureOut">
               <a:rPr lang="en-IN" smtClean="0"/>
-              <a:t>Fri : 11-11-2016</a:t>
+              <a:t>Sat : 12-11-2016</a:t>
             </a:fld>
             <a:endParaRPr lang="en-IN"/>
           </a:p>
@@ -3121,7 +3121,7 @@
           <a:p>
             <a:fld id="{3FB103DD-58BB-453F-BF10-4FF3CC359F28}" type="datetimeFigureOut">
               <a:rPr lang="en-IN" smtClean="0"/>
-              <a:t>Fri : 11-11-2016</a:t>
+              <a:t>Sat : 12-11-2016</a:t>
             </a:fld>
             <a:endParaRPr lang="en-IN"/>
           </a:p>
@@ -3551,7 +3551,7 @@
           <a:p>
             <a:fld id="{3FB103DD-58BB-453F-BF10-4FF3CC359F28}" type="datetimeFigureOut">
               <a:rPr lang="en-IN" smtClean="0"/>
-              <a:t>Fri : 11-11-2016</a:t>
+              <a:t>Sat : 12-11-2016</a:t>
             </a:fld>
             <a:endParaRPr lang="en-IN"/>
           </a:p>
@@ -4084,7 +4084,7 @@
           <a:p>
             <a:fld id="{3FB103DD-58BB-453F-BF10-4FF3CC359F28}" type="datetimeFigureOut">
               <a:rPr lang="en-IN" smtClean="0"/>
-              <a:t>Fri : 11-11-2016</a:t>
+              <a:t>Sat : 12-11-2016</a:t>
             </a:fld>
             <a:endParaRPr lang="en-IN"/>
           </a:p>
@@ -4924,7 +4924,7 @@
           <a:p>
             <a:fld id="{3FB103DD-58BB-453F-BF10-4FF3CC359F28}" type="datetimeFigureOut">
               <a:rPr lang="en-IN" smtClean="0"/>
-              <a:t>Fri : 11-11-2016</a:t>
+              <a:t>Sat : 12-11-2016</a:t>
             </a:fld>
             <a:endParaRPr lang="en-IN"/>
           </a:p>
@@ -6917,8 +6917,31 @@
                 <a:ea typeface="Segoe UI Black" pitchFamily="34" charset="0"/>
                 <a:cs typeface="Segoe UI Black" pitchFamily="34" charset="0"/>
               </a:rPr>
-              <a:t>Perfect news from social media</a:t>
+              <a:t>Perfect news </a:t>
             </a:r>
+            <a:r>
+              <a:rPr lang="en-IN" sz="3900" dirty="0" smtClean="0">
+                <a:solidFill>
+                  <a:schemeClr val="accent3">
+                    <a:lumMod val="60000"/>
+                    <a:lumOff val="40000"/>
+                  </a:schemeClr>
+                </a:solidFill>
+                <a:ea typeface="Segoe UI Black" pitchFamily="34" charset="0"/>
+                <a:cs typeface="Segoe UI Black" pitchFamily="34" charset="0"/>
+              </a:rPr>
+              <a:t>based on social media data</a:t>
+            </a:r>
+            <a:endParaRPr lang="en-IN" sz="3900" dirty="0">
+              <a:solidFill>
+                <a:schemeClr val="accent3">
+                  <a:lumMod val="60000"/>
+                  <a:lumOff val="40000"/>
+                </a:schemeClr>
+              </a:solidFill>
+              <a:ea typeface="Segoe UI Black" pitchFamily="34" charset="0"/>
+              <a:cs typeface="Segoe UI Black" pitchFamily="34" charset="0"/>
+            </a:endParaRPr>
           </a:p>
           <a:p>
             <a:pPr marL="615397" indent="-615397">
